--- a/OIDCWorkshop/Slides/OIDCWorkshop.pptx
+++ b/OIDCWorkshop/Slides/OIDCWorkshop.pptx
@@ -7,10 +7,10 @@
     <p:sldMasterId id="2147483713" r:id="rId6"/>
   </p:sldMasterIdLst>
   <p:notesMasterIdLst>
-    <p:notesMasterId r:id="rId56"/>
+    <p:notesMasterId r:id="rId57"/>
   </p:notesMasterIdLst>
   <p:handoutMasterIdLst>
-    <p:handoutMasterId r:id="rId57"/>
+    <p:handoutMasterId r:id="rId58"/>
   </p:handoutMasterIdLst>
   <p:sldIdLst>
     <p:sldId id="377" r:id="rId7"/>
@@ -50,18 +50,19 @@
     <p:sldId id="406" r:id="rId41"/>
     <p:sldId id="427" r:id="rId42"/>
     <p:sldId id="426" r:id="rId43"/>
-    <p:sldId id="428" r:id="rId44"/>
-    <p:sldId id="408" r:id="rId45"/>
-    <p:sldId id="410" r:id="rId46"/>
-    <p:sldId id="409" r:id="rId47"/>
-    <p:sldId id="431" r:id="rId48"/>
-    <p:sldId id="411" r:id="rId49"/>
-    <p:sldId id="430" r:id="rId50"/>
-    <p:sldId id="412" r:id="rId51"/>
-    <p:sldId id="413" r:id="rId52"/>
-    <p:sldId id="414" r:id="rId53"/>
-    <p:sldId id="432" r:id="rId54"/>
-    <p:sldId id="362" r:id="rId55"/>
+    <p:sldId id="433" r:id="rId44"/>
+    <p:sldId id="428" r:id="rId45"/>
+    <p:sldId id="408" r:id="rId46"/>
+    <p:sldId id="410" r:id="rId47"/>
+    <p:sldId id="409" r:id="rId48"/>
+    <p:sldId id="431" r:id="rId49"/>
+    <p:sldId id="411" r:id="rId50"/>
+    <p:sldId id="430" r:id="rId51"/>
+    <p:sldId id="412" r:id="rId52"/>
+    <p:sldId id="413" r:id="rId53"/>
+    <p:sldId id="414" r:id="rId54"/>
+    <p:sldId id="432" r:id="rId55"/>
+    <p:sldId id="362" r:id="rId56"/>
   </p:sldIdLst>
   <p:sldSz cx="9144000" cy="5143500" type="screen16x9"/>
   <p:notesSz cx="6858000" cy="9144000"/>
@@ -193,6 +194,10 @@
 </p:presentation>
 </file>
 
+<file path=ppt/revisionInfo.xml><?xml version="1.0" encoding="utf-8"?>
+<p1510:revInfo xmlns:a="http://schemas.openxmlformats.org/drawingml/2006/main" xmlns:r="http://schemas.openxmlformats.org/officeDocument/2006/relationships" xmlns:p1510="http://schemas.microsoft.com/office/powerpoint/2015/10/main"/>
+</file>
+
 <file path=ppt/handoutMasters/handoutMaster1.xml><?xml version="1.0" encoding="utf-8"?>
 <p:handoutMaster xmlns:a="http://schemas.openxmlformats.org/drawingml/2006/main" xmlns:r="http://schemas.openxmlformats.org/officeDocument/2006/relationships" xmlns:p="http://schemas.openxmlformats.org/presentationml/2006/main">
   <p:cSld>
@@ -275,7 +280,7 @@
           <a:p>
             <a:fld id="{D3FDC4BA-F62C-46A2-87C1-2103180CFF88}" type="datetimeFigureOut">
               <a:rPr lang="de-AT" smtClean="0"/>
-              <a:t>18.06.2017</a:t>
+              <a:t>21.06.2017</a:t>
             </a:fld>
             <a:endParaRPr lang="de-AT"/>
           </a:p>
@@ -441,7 +446,7 @@
             <a:fld id="{3612A09C-9A01-4873-9E29-1DA9CA5B5B01}" type="datetimeFigureOut">
               <a:rPr lang="de-DE" smtClean="0"/>
               <a:pPr/>
-              <a:t>18.06.2017</a:t>
+              <a:t>21.06.2017</a:t>
             </a:fld>
             <a:endParaRPr lang="de-AT"/>
           </a:p>
@@ -898,7 +903,7 @@
                 </a:solidFill>
               </a:rPr>
               <a:pPr/>
-              <a:t>6/18/2017</a:t>
+              <a:t>6/21/2017</a:t>
             </a:fld>
             <a:endParaRPr lang="en-US" dirty="0">
               <a:solidFill>
@@ -1100,7 +1105,7 @@
                 </a:solidFill>
               </a:rPr>
               <a:pPr/>
-              <a:t>6/18/2017 7:27 AM</a:t>
+              <a:t>6/21/2017 4:44 PM</a:t>
             </a:fld>
             <a:endParaRPr lang="en-US" dirty="0">
               <a:solidFill>
@@ -21627,10 +21632,9 @@
           <a:lstStyle/>
           <a:p>
             <a:r>
-              <a:rPr lang="en-US"/>
+              <a:rPr lang="en-US" dirty="0"/>
               <a:t>OpenID Connect Workshop</a:t>
             </a:r>
-            <a:endParaRPr lang="en-US" dirty="0"/>
           </a:p>
         </p:txBody>
       </p:sp>
@@ -32056,7 +32060,7 @@
           <a:p>
             <a:r>
               <a:rPr lang="de-AT" dirty="0"/>
-              <a:t>Angular</a:t>
+              <a:t>JavaScript</a:t>
             </a:r>
           </a:p>
         </p:txBody>
@@ -32162,12 +32166,12 @@
       </p:grpSpPr>
       <p:sp>
         <p:nvSpPr>
-          <p:cNvPr id="6" name="Title 5"/>
+          <p:cNvPr id="7" name="Text Placeholder 6"/>
           <p:cNvSpPr>
             <a:spLocks noGrp="1"/>
           </p:cNvSpPr>
           <p:nvPr>
-            <p:ph type="title"/>
+            <p:ph type="body" sz="quarter" idx="16"/>
           </p:nvPr>
         </p:nvSpPr>
         <p:spPr/>
@@ -32177,472 +32181,7 @@
           <a:p>
             <a:r>
               <a:rPr lang="de-AT" dirty="0"/>
-              <a:t>Use Token in API</a:t>
-            </a:r>
-          </a:p>
-        </p:txBody>
-      </p:sp>
-      <p:sp>
-        <p:nvSpPr>
-          <p:cNvPr id="7" name="Content Placeholder 6"/>
-          <p:cNvSpPr>
-            <a:spLocks noGrp="1"/>
-          </p:cNvSpPr>
-          <p:nvPr>
-            <p:ph sz="quarter" idx="22"/>
-          </p:nvPr>
-        </p:nvSpPr>
-        <p:spPr/>
-        <p:txBody>
-          <a:bodyPr/>
-          <a:lstStyle/>
-          <a:p>
-            <a:r>
-              <a:rPr lang="de-AT" dirty="0"/>
-              <a:t> </a:t>
-            </a:r>
-            <a:r>
-              <a:rPr lang="en-US" dirty="0"/>
-              <a:t>export class </a:t>
-            </a:r>
-            <a:r>
-              <a:rPr lang="en-US" dirty="0" err="1"/>
-              <a:t>HomeComponent</a:t>
-            </a:r>
-            <a:r>
-              <a:rPr lang="en-US" dirty="0"/>
-              <a:t> implements </a:t>
-            </a:r>
-            <a:r>
-              <a:rPr lang="en-US" dirty="0" err="1"/>
-              <a:t>OnInit</a:t>
-            </a:r>
-            <a:r>
-              <a:rPr lang="en-US" dirty="0"/>
-              <a:t> {</a:t>
-            </a:r>
-          </a:p>
-          <a:p>
-            <a:r>
-              <a:rPr lang="en-US" dirty="0"/>
-              <a:t>  …</a:t>
-            </a:r>
-          </a:p>
-          <a:p>
-            <a:endParaRPr lang="en-US" dirty="0"/>
-          </a:p>
-          <a:p>
-            <a:r>
-              <a:rPr lang="en-US" dirty="0"/>
-              <a:t>  constructor(public </a:t>
-            </a:r>
-            <a:r>
-              <a:rPr lang="en-US" dirty="0" err="1"/>
-              <a:t>auth</a:t>
-            </a:r>
-            <a:r>
-              <a:rPr lang="en-US" dirty="0"/>
-              <a:t>: </a:t>
-            </a:r>
-            <a:r>
-              <a:rPr lang="en-US" dirty="0" err="1">
-                <a:solidFill>
-                  <a:srgbClr val="FF0000"/>
-                </a:solidFill>
-              </a:rPr>
-              <a:t>AuthService</a:t>
-            </a:r>
-            <a:r>
-              <a:rPr lang="en-US" dirty="0"/>
-              <a:t>, private http: </a:t>
-            </a:r>
-            <a:r>
-              <a:rPr lang="en-US" dirty="0">
-                <a:solidFill>
-                  <a:srgbClr val="FF0000"/>
-                </a:solidFill>
-              </a:rPr>
-              <a:t>Http</a:t>
-            </a:r>
-            <a:r>
-              <a:rPr lang="en-US" dirty="0"/>
-              <a:t>) {}</a:t>
-            </a:r>
-          </a:p>
-          <a:p>
-            <a:endParaRPr lang="en-US" dirty="0"/>
-          </a:p>
-          <a:p>
-            <a:r>
-              <a:rPr lang="de-AT" dirty="0"/>
-              <a:t>	</a:t>
-            </a:r>
-            <a:r>
-              <a:rPr lang="de-AT" dirty="0" err="1"/>
-              <a:t>getValues</a:t>
-            </a:r>
-            <a:r>
-              <a:rPr lang="de-AT" dirty="0"/>
-              <a:t>() {</a:t>
-            </a:r>
-          </a:p>
-          <a:p>
-            <a:r>
-              <a:rPr lang="de-AT" dirty="0"/>
-              <a:t>    </a:t>
-            </a:r>
-            <a:r>
-              <a:rPr lang="de-AT" dirty="0" err="1"/>
-              <a:t>let</a:t>
-            </a:r>
-            <a:r>
-              <a:rPr lang="de-AT" dirty="0"/>
-              <a:t> </a:t>
-            </a:r>
-            <a:r>
-              <a:rPr lang="de-AT" dirty="0" err="1"/>
-              <a:t>options</a:t>
-            </a:r>
-            <a:r>
-              <a:rPr lang="de-AT" dirty="0"/>
-              <a:t>: </a:t>
-            </a:r>
-            <a:r>
-              <a:rPr lang="de-AT" dirty="0" err="1"/>
-              <a:t>RequestOptionsArgs</a:t>
-            </a:r>
-            <a:r>
-              <a:rPr lang="de-AT" dirty="0"/>
-              <a:t> = null;</a:t>
-            </a:r>
-          </a:p>
-          <a:p>
-            <a:endParaRPr lang="de-AT" dirty="0"/>
-          </a:p>
-          <a:p>
-            <a:r>
-              <a:rPr lang="de-AT" dirty="0"/>
-              <a:t>    // </a:t>
-            </a:r>
-            <a:r>
-              <a:rPr lang="de-AT" dirty="0" err="1"/>
-              <a:t>If</a:t>
-            </a:r>
-            <a:r>
-              <a:rPr lang="de-AT" dirty="0"/>
-              <a:t> </a:t>
-            </a:r>
-            <a:r>
-              <a:rPr lang="de-AT" dirty="0" err="1"/>
-              <a:t>authorized</a:t>
-            </a:r>
-            <a:r>
-              <a:rPr lang="de-AT" dirty="0"/>
-              <a:t>, </a:t>
-            </a:r>
-            <a:r>
-              <a:rPr lang="de-AT" dirty="0" err="1"/>
-              <a:t>add</a:t>
-            </a:r>
-            <a:r>
-              <a:rPr lang="de-AT" dirty="0"/>
-              <a:t> </a:t>
-            </a:r>
-            <a:r>
-              <a:rPr lang="de-AT" dirty="0" err="1"/>
-              <a:t>header</a:t>
-            </a:r>
-            <a:endParaRPr lang="de-AT" dirty="0"/>
-          </a:p>
-          <a:p>
-            <a:r>
-              <a:rPr lang="de-AT" dirty="0"/>
-              <a:t>    </a:t>
-            </a:r>
-            <a:r>
-              <a:rPr lang="de-AT" dirty="0" err="1"/>
-              <a:t>if</a:t>
-            </a:r>
-            <a:r>
-              <a:rPr lang="de-AT" dirty="0"/>
-              <a:t> (</a:t>
-            </a:r>
-            <a:r>
-              <a:rPr lang="de-AT" dirty="0" err="1"/>
-              <a:t>this.auth.isAuthenticated</a:t>
-            </a:r>
-            <a:r>
-              <a:rPr lang="de-AT" dirty="0"/>
-              <a:t>()) {</a:t>
-            </a:r>
-          </a:p>
-          <a:p>
-            <a:r>
-              <a:rPr lang="de-AT" dirty="0"/>
-              <a:t>      </a:t>
-            </a:r>
-            <a:r>
-              <a:rPr lang="de-AT" dirty="0" err="1"/>
-              <a:t>const</a:t>
-            </a:r>
-            <a:r>
-              <a:rPr lang="de-AT" dirty="0"/>
-              <a:t> </a:t>
-            </a:r>
-            <a:r>
-              <a:rPr lang="de-AT" dirty="0" err="1"/>
-              <a:t>headers</a:t>
-            </a:r>
-            <a:r>
-              <a:rPr lang="de-AT" dirty="0"/>
-              <a:t> = </a:t>
-            </a:r>
-            <a:r>
-              <a:rPr lang="de-AT" dirty="0" err="1"/>
-              <a:t>new</a:t>
-            </a:r>
-            <a:r>
-              <a:rPr lang="de-AT" dirty="0"/>
-              <a:t> </a:t>
-            </a:r>
-            <a:r>
-              <a:rPr lang="de-AT" dirty="0" err="1"/>
-              <a:t>NgHeaders</a:t>
-            </a:r>
-            <a:r>
-              <a:rPr lang="de-AT" dirty="0"/>
-              <a:t>();</a:t>
-            </a:r>
-          </a:p>
-          <a:p>
-            <a:r>
-              <a:rPr lang="de-AT" dirty="0"/>
-              <a:t>      </a:t>
-            </a:r>
-            <a:r>
-              <a:rPr lang="de-AT" dirty="0" err="1">
-                <a:solidFill>
-                  <a:srgbClr val="FF0000"/>
-                </a:solidFill>
-              </a:rPr>
-              <a:t>headers.append</a:t>
-            </a:r>
-            <a:r>
-              <a:rPr lang="de-AT" dirty="0">
-                <a:solidFill>
-                  <a:srgbClr val="FF0000"/>
-                </a:solidFill>
-              </a:rPr>
-              <a:t>(</a:t>
-            </a:r>
-          </a:p>
-          <a:p>
-            <a:r>
-              <a:rPr lang="de-AT" dirty="0">
-                <a:solidFill>
-                  <a:srgbClr val="FF0000"/>
-                </a:solidFill>
-              </a:rPr>
-              <a:t>          '</a:t>
-            </a:r>
-            <a:r>
-              <a:rPr lang="de-AT" dirty="0" err="1">
-                <a:solidFill>
-                  <a:srgbClr val="FF0000"/>
-                </a:solidFill>
-              </a:rPr>
-              <a:t>Authorization</a:t>
-            </a:r>
-            <a:r>
-              <a:rPr lang="de-AT" dirty="0">
-                <a:solidFill>
-                  <a:srgbClr val="FF0000"/>
-                </a:solidFill>
-              </a:rPr>
-              <a:t>'</a:t>
-            </a:r>
-            <a:r>
-              <a:rPr lang="de-AT" dirty="0"/>
-              <a:t>, '</a:t>
-            </a:r>
-            <a:r>
-              <a:rPr lang="de-AT" dirty="0" err="1"/>
-              <a:t>Bearer</a:t>
-            </a:r>
-            <a:r>
-              <a:rPr lang="de-AT" dirty="0"/>
-              <a:t> ‚ +</a:t>
-            </a:r>
-            <a:br>
-              <a:rPr lang="de-AT" dirty="0"/>
-            </a:br>
-            <a:r>
-              <a:rPr lang="de-AT" dirty="0"/>
-              <a:t>						</a:t>
-            </a:r>
-            <a:r>
-              <a:rPr lang="de-AT" dirty="0" err="1"/>
-              <a:t>localStorage.getItem</a:t>
-            </a:r>
-            <a:r>
-              <a:rPr lang="de-AT" dirty="0"/>
-              <a:t>('</a:t>
-            </a:r>
-            <a:r>
-              <a:rPr lang="de-AT" dirty="0" err="1"/>
-              <a:t>access_token</a:t>
-            </a:r>
-            <a:r>
-              <a:rPr lang="de-AT" dirty="0"/>
-              <a:t>'));</a:t>
-            </a:r>
-          </a:p>
-          <a:p>
-            <a:r>
-              <a:rPr lang="de-AT" dirty="0"/>
-              <a:t>      </a:t>
-            </a:r>
-            <a:r>
-              <a:rPr lang="de-AT" dirty="0" err="1"/>
-              <a:t>options</a:t>
-            </a:r>
-            <a:r>
-              <a:rPr lang="de-AT" dirty="0"/>
-              <a:t> = {</a:t>
-            </a:r>
-            <a:r>
-              <a:rPr lang="de-AT" dirty="0" err="1"/>
-              <a:t>headers</a:t>
-            </a:r>
-            <a:r>
-              <a:rPr lang="de-AT" dirty="0"/>
-              <a:t>: </a:t>
-            </a:r>
-            <a:r>
-              <a:rPr lang="de-AT" dirty="0" err="1"/>
-              <a:t>headers</a:t>
-            </a:r>
-            <a:r>
-              <a:rPr lang="de-AT" dirty="0"/>
-              <a:t>};</a:t>
-            </a:r>
-          </a:p>
-          <a:p>
-            <a:r>
-              <a:rPr lang="de-AT" dirty="0"/>
-              <a:t>    }</a:t>
-            </a:r>
-          </a:p>
-          <a:p>
-            <a:r>
-              <a:rPr lang="de-AT" dirty="0"/>
-              <a:t>    </a:t>
-            </a:r>
-            <a:r>
-              <a:rPr lang="de-AT" dirty="0" err="1"/>
-              <a:t>this.http.get</a:t>
-            </a:r>
-            <a:r>
-              <a:rPr lang="de-AT" dirty="0"/>
-              <a:t>('http://localhost:5001/</a:t>
-            </a:r>
-            <a:r>
-              <a:rPr lang="de-AT" dirty="0" err="1"/>
-              <a:t>api</a:t>
-            </a:r>
-            <a:r>
-              <a:rPr lang="de-AT" dirty="0"/>
-              <a:t>/</a:t>
-            </a:r>
-            <a:r>
-              <a:rPr lang="de-AT" dirty="0" err="1"/>
-              <a:t>values</a:t>
-            </a:r>
-            <a:r>
-              <a:rPr lang="de-AT" dirty="0"/>
-              <a:t>', </a:t>
-            </a:r>
-            <a:r>
-              <a:rPr lang="de-AT" dirty="0" err="1"/>
-              <a:t>options</a:t>
-            </a:r>
-            <a:r>
-              <a:rPr lang="de-AT" dirty="0"/>
-              <a:t>)</a:t>
-            </a:r>
-          </a:p>
-          <a:p>
-            <a:r>
-              <a:rPr lang="de-AT" dirty="0"/>
-              <a:t>        .</a:t>
-            </a:r>
-            <a:r>
-              <a:rPr lang="de-AT" dirty="0" err="1"/>
-              <a:t>subscribe</a:t>
-            </a:r>
-            <a:r>
-              <a:rPr lang="de-AT" dirty="0"/>
-              <a:t>(</a:t>
-            </a:r>
-            <a:r>
-              <a:rPr lang="de-AT" dirty="0" err="1"/>
-              <a:t>res</a:t>
-            </a:r>
-            <a:r>
-              <a:rPr lang="de-AT" dirty="0"/>
-              <a:t> =&gt; </a:t>
-            </a:r>
-            <a:r>
-              <a:rPr lang="de-AT" dirty="0" err="1"/>
-              <a:t>this.values</a:t>
-            </a:r>
-            <a:r>
-              <a:rPr lang="de-AT" dirty="0"/>
-              <a:t> = </a:t>
-            </a:r>
-            <a:r>
-              <a:rPr lang="de-AT" dirty="0" err="1"/>
-              <a:t>res.json</a:t>
-            </a:r>
-            <a:r>
-              <a:rPr lang="de-AT" dirty="0"/>
-              <a:t>(),</a:t>
-            </a:r>
-          </a:p>
-          <a:p>
-            <a:r>
-              <a:rPr lang="de-AT" dirty="0"/>
-              <a:t>                   </a:t>
-            </a:r>
-            <a:r>
-              <a:rPr lang="de-AT" dirty="0" err="1"/>
-              <a:t>err</a:t>
-            </a:r>
-            <a:r>
-              <a:rPr lang="de-AT" dirty="0"/>
-              <a:t> =&gt; </a:t>
-            </a:r>
-            <a:r>
-              <a:rPr lang="de-AT" dirty="0" err="1"/>
-              <a:t>this.values</a:t>
-            </a:r>
-            <a:r>
-              <a:rPr lang="de-AT" dirty="0"/>
-              <a:t> = [</a:t>
-            </a:r>
-            <a:r>
-              <a:rPr lang="de-AT" dirty="0" err="1"/>
-              <a:t>err.statusText</a:t>
-            </a:r>
-            <a:r>
-              <a:rPr lang="de-AT" dirty="0"/>
-              <a:t>]);</a:t>
-            </a:r>
-          </a:p>
-          <a:p>
-            <a:r>
-              <a:rPr lang="de-AT" dirty="0"/>
-              <a:t>  }</a:t>
+              <a:t>Angular</a:t>
             </a:r>
           </a:p>
         </p:txBody>
@@ -32650,25 +32189,6 @@
       <p:sp>
         <p:nvSpPr>
           <p:cNvPr id="8" name="Text Placeholder 7"/>
-          <p:cNvSpPr>
-            <a:spLocks noGrp="1"/>
-          </p:cNvSpPr>
-          <p:nvPr>
-            <p:ph type="body" sz="quarter" idx="23"/>
-          </p:nvPr>
-        </p:nvSpPr>
-        <p:spPr/>
-        <p:txBody>
-          <a:bodyPr/>
-          <a:lstStyle/>
-          <a:p>
-            <a:endParaRPr lang="de-AT"/>
-          </a:p>
-        </p:txBody>
-      </p:sp>
-      <p:sp>
-        <p:nvSpPr>
-          <p:cNvPr id="9" name="Text Placeholder 8"/>
           <p:cNvSpPr>
             <a:spLocks noGrp="1"/>
           </p:cNvSpPr>
@@ -32681,13 +32201,22 @@
           <a:bodyPr/>
           <a:lstStyle/>
           <a:p>
-            <a:endParaRPr lang="de-AT"/>
-          </a:p>
-        </p:txBody>
-      </p:sp>
-      <p:sp>
-        <p:nvSpPr>
-          <p:cNvPr id="10" name="Text Placeholder 9"/>
+            <a:r>
+              <a:rPr lang="de-AT" dirty="0">
+                <a:hlinkClick r:id="rId2"/>
+              </a:rPr>
+              <a:t>Sample on GitHub</a:t>
+            </a:r>
+            <a:endParaRPr lang="de-AT" dirty="0"/>
+          </a:p>
+          <a:p>
+            <a:endParaRPr lang="de-AT" dirty="0"/>
+          </a:p>
+        </p:txBody>
+      </p:sp>
+      <p:sp>
+        <p:nvSpPr>
+          <p:cNvPr id="9" name="Text Placeholder 8"/>
           <p:cNvSpPr>
             <a:spLocks noGrp="1"/>
           </p:cNvSpPr>
@@ -32704,10 +32233,29 @@
           </a:p>
         </p:txBody>
       </p:sp>
+      <p:sp>
+        <p:nvSpPr>
+          <p:cNvPr id="10" name="Text Placeholder 9"/>
+          <p:cNvSpPr>
+            <a:spLocks noGrp="1"/>
+          </p:cNvSpPr>
+          <p:nvPr>
+            <p:ph type="body" sz="quarter" idx="26"/>
+          </p:nvPr>
+        </p:nvSpPr>
+        <p:spPr/>
+        <p:txBody>
+          <a:bodyPr/>
+          <a:lstStyle/>
+          <a:p>
+            <a:endParaRPr lang="de-AT"/>
+          </a:p>
+        </p:txBody>
+      </p:sp>
     </p:spTree>
     <p:extLst>
       <p:ext uri="{BB962C8B-B14F-4D97-AF65-F5344CB8AC3E}">
-        <p14:creationId xmlns:p14="http://schemas.microsoft.com/office/powerpoint/2010/main" val="2074057256"/>
+        <p14:creationId xmlns:p14="http://schemas.microsoft.com/office/powerpoint/2010/main" val="988732383"/>
       </p:ext>
     </p:extLst>
   </p:cSld>
@@ -32739,7 +32287,7 @@
       </p:grpSpPr>
       <p:sp>
         <p:nvSpPr>
-          <p:cNvPr id="2" name="Titel 1"/>
+          <p:cNvPr id="6" name="Title 5"/>
           <p:cNvSpPr>
             <a:spLocks noGrp="1"/>
           </p:cNvSpPr>
@@ -32753,15 +32301,518 @@
           <a:lstStyle/>
           <a:p>
             <a:r>
+              <a:rPr lang="de-AT" dirty="0"/>
+              <a:t>Use Token in API</a:t>
+            </a:r>
+          </a:p>
+        </p:txBody>
+      </p:sp>
+      <p:sp>
+        <p:nvSpPr>
+          <p:cNvPr id="7" name="Content Placeholder 6"/>
+          <p:cNvSpPr>
+            <a:spLocks noGrp="1"/>
+          </p:cNvSpPr>
+          <p:nvPr>
+            <p:ph sz="quarter" idx="22"/>
+          </p:nvPr>
+        </p:nvSpPr>
+        <p:spPr/>
+        <p:txBody>
+          <a:bodyPr/>
+          <a:lstStyle/>
+          <a:p>
+            <a:r>
+              <a:rPr lang="de-AT" dirty="0"/>
+              <a:t> </a:t>
+            </a:r>
+            <a:r>
               <a:rPr lang="en-US" dirty="0"/>
-              <a:t>Password Flows</a:t>
-            </a:r>
-          </a:p>
-        </p:txBody>
-      </p:sp>
-      <p:sp>
-        <p:nvSpPr>
-          <p:cNvPr id="5" name="Textplatzhalter 4"/>
+              <a:t>export class </a:t>
+            </a:r>
+            <a:r>
+              <a:rPr lang="en-US" dirty="0" err="1"/>
+              <a:t>HomeComponent</a:t>
+            </a:r>
+            <a:r>
+              <a:rPr lang="en-US" dirty="0"/>
+              <a:t> implements </a:t>
+            </a:r>
+            <a:r>
+              <a:rPr lang="en-US" dirty="0" err="1"/>
+              <a:t>OnInit</a:t>
+            </a:r>
+            <a:r>
+              <a:rPr lang="en-US" dirty="0"/>
+              <a:t> {</a:t>
+            </a:r>
+          </a:p>
+          <a:p>
+            <a:r>
+              <a:rPr lang="en-US" dirty="0"/>
+              <a:t>  …</a:t>
+            </a:r>
+          </a:p>
+          <a:p>
+            <a:endParaRPr lang="en-US" dirty="0"/>
+          </a:p>
+          <a:p>
+            <a:r>
+              <a:rPr lang="en-US" dirty="0"/>
+              <a:t>  constructor(public </a:t>
+            </a:r>
+            <a:r>
+              <a:rPr lang="en-US" dirty="0" err="1"/>
+              <a:t>auth</a:t>
+            </a:r>
+            <a:r>
+              <a:rPr lang="en-US" dirty="0"/>
+              <a:t>: </a:t>
+            </a:r>
+            <a:r>
+              <a:rPr lang="en-US" dirty="0" err="1">
+                <a:solidFill>
+                  <a:srgbClr val="FF0000"/>
+                </a:solidFill>
+              </a:rPr>
+              <a:t>AuthService</a:t>
+            </a:r>
+            <a:r>
+              <a:rPr lang="en-US" dirty="0"/>
+              <a:t>, private http: </a:t>
+            </a:r>
+            <a:r>
+              <a:rPr lang="en-US" dirty="0">
+                <a:solidFill>
+                  <a:srgbClr val="FF0000"/>
+                </a:solidFill>
+              </a:rPr>
+              <a:t>Http</a:t>
+            </a:r>
+            <a:r>
+              <a:rPr lang="en-US" dirty="0"/>
+              <a:t>) {}</a:t>
+            </a:r>
+          </a:p>
+          <a:p>
+            <a:endParaRPr lang="en-US" dirty="0"/>
+          </a:p>
+          <a:p>
+            <a:r>
+              <a:rPr lang="de-AT" dirty="0"/>
+              <a:t>	</a:t>
+            </a:r>
+            <a:r>
+              <a:rPr lang="de-AT" dirty="0" err="1"/>
+              <a:t>getValues</a:t>
+            </a:r>
+            <a:r>
+              <a:rPr lang="de-AT" dirty="0"/>
+              <a:t>() {</a:t>
+            </a:r>
+          </a:p>
+          <a:p>
+            <a:r>
+              <a:rPr lang="de-AT" dirty="0"/>
+              <a:t>    </a:t>
+            </a:r>
+            <a:r>
+              <a:rPr lang="de-AT" dirty="0" err="1"/>
+              <a:t>let</a:t>
+            </a:r>
+            <a:r>
+              <a:rPr lang="de-AT" dirty="0"/>
+              <a:t> </a:t>
+            </a:r>
+            <a:r>
+              <a:rPr lang="de-AT" dirty="0" err="1"/>
+              <a:t>options</a:t>
+            </a:r>
+            <a:r>
+              <a:rPr lang="de-AT" dirty="0"/>
+              <a:t>: </a:t>
+            </a:r>
+            <a:r>
+              <a:rPr lang="de-AT" dirty="0" err="1"/>
+              <a:t>RequestOptionsArgs</a:t>
+            </a:r>
+            <a:r>
+              <a:rPr lang="de-AT" dirty="0"/>
+              <a:t> = null;</a:t>
+            </a:r>
+          </a:p>
+          <a:p>
+            <a:endParaRPr lang="de-AT" dirty="0"/>
+          </a:p>
+          <a:p>
+            <a:r>
+              <a:rPr lang="de-AT" dirty="0"/>
+              <a:t>    // </a:t>
+            </a:r>
+            <a:r>
+              <a:rPr lang="de-AT" dirty="0" err="1"/>
+              <a:t>If</a:t>
+            </a:r>
+            <a:r>
+              <a:rPr lang="de-AT" dirty="0"/>
+              <a:t> </a:t>
+            </a:r>
+            <a:r>
+              <a:rPr lang="de-AT" dirty="0" err="1"/>
+              <a:t>authorized</a:t>
+            </a:r>
+            <a:r>
+              <a:rPr lang="de-AT" dirty="0"/>
+              <a:t>, </a:t>
+            </a:r>
+            <a:r>
+              <a:rPr lang="de-AT" dirty="0" err="1"/>
+              <a:t>add</a:t>
+            </a:r>
+            <a:r>
+              <a:rPr lang="de-AT" dirty="0"/>
+              <a:t> </a:t>
+            </a:r>
+            <a:r>
+              <a:rPr lang="de-AT" dirty="0" err="1"/>
+              <a:t>header</a:t>
+            </a:r>
+            <a:endParaRPr lang="de-AT" dirty="0"/>
+          </a:p>
+          <a:p>
+            <a:r>
+              <a:rPr lang="de-AT" dirty="0"/>
+              <a:t>    </a:t>
+            </a:r>
+            <a:r>
+              <a:rPr lang="de-AT" dirty="0" err="1"/>
+              <a:t>if</a:t>
+            </a:r>
+            <a:r>
+              <a:rPr lang="de-AT" dirty="0"/>
+              <a:t> (</a:t>
+            </a:r>
+            <a:r>
+              <a:rPr lang="de-AT" dirty="0" err="1"/>
+              <a:t>this.auth.isAuthenticated</a:t>
+            </a:r>
+            <a:r>
+              <a:rPr lang="de-AT" dirty="0"/>
+              <a:t>()) {</a:t>
+            </a:r>
+          </a:p>
+          <a:p>
+            <a:r>
+              <a:rPr lang="de-AT" dirty="0"/>
+              <a:t>      </a:t>
+            </a:r>
+            <a:r>
+              <a:rPr lang="de-AT" dirty="0" err="1"/>
+              <a:t>const</a:t>
+            </a:r>
+            <a:r>
+              <a:rPr lang="de-AT" dirty="0"/>
+              <a:t> </a:t>
+            </a:r>
+            <a:r>
+              <a:rPr lang="de-AT" dirty="0" err="1"/>
+              <a:t>headers</a:t>
+            </a:r>
+            <a:r>
+              <a:rPr lang="de-AT" dirty="0"/>
+              <a:t> = </a:t>
+            </a:r>
+            <a:r>
+              <a:rPr lang="de-AT" dirty="0" err="1"/>
+              <a:t>new</a:t>
+            </a:r>
+            <a:r>
+              <a:rPr lang="de-AT" dirty="0"/>
+              <a:t> </a:t>
+            </a:r>
+            <a:r>
+              <a:rPr lang="de-AT" dirty="0" err="1"/>
+              <a:t>NgHeaders</a:t>
+            </a:r>
+            <a:r>
+              <a:rPr lang="de-AT" dirty="0"/>
+              <a:t>();</a:t>
+            </a:r>
+          </a:p>
+          <a:p>
+            <a:r>
+              <a:rPr lang="de-AT" dirty="0"/>
+              <a:t>      </a:t>
+            </a:r>
+            <a:r>
+              <a:rPr lang="de-AT" dirty="0" err="1">
+                <a:solidFill>
+                  <a:srgbClr val="FF0000"/>
+                </a:solidFill>
+              </a:rPr>
+              <a:t>headers.append</a:t>
+            </a:r>
+            <a:r>
+              <a:rPr lang="de-AT" dirty="0">
+                <a:solidFill>
+                  <a:srgbClr val="FF0000"/>
+                </a:solidFill>
+              </a:rPr>
+              <a:t>(</a:t>
+            </a:r>
+          </a:p>
+          <a:p>
+            <a:r>
+              <a:rPr lang="de-AT" dirty="0">
+                <a:solidFill>
+                  <a:srgbClr val="FF0000"/>
+                </a:solidFill>
+              </a:rPr>
+              <a:t>          '</a:t>
+            </a:r>
+            <a:r>
+              <a:rPr lang="de-AT" dirty="0" err="1">
+                <a:solidFill>
+                  <a:srgbClr val="FF0000"/>
+                </a:solidFill>
+              </a:rPr>
+              <a:t>Authorization</a:t>
+            </a:r>
+            <a:r>
+              <a:rPr lang="de-AT" dirty="0">
+                <a:solidFill>
+                  <a:srgbClr val="FF0000"/>
+                </a:solidFill>
+              </a:rPr>
+              <a:t>'</a:t>
+            </a:r>
+            <a:r>
+              <a:rPr lang="de-AT" dirty="0"/>
+              <a:t>, '</a:t>
+            </a:r>
+            <a:r>
+              <a:rPr lang="de-AT" dirty="0" err="1"/>
+              <a:t>Bearer</a:t>
+            </a:r>
+            <a:r>
+              <a:rPr lang="de-AT" dirty="0"/>
+              <a:t> ‚ +</a:t>
+            </a:r>
+            <a:br>
+              <a:rPr lang="de-AT" dirty="0"/>
+            </a:br>
+            <a:r>
+              <a:rPr lang="de-AT" dirty="0"/>
+              <a:t>						</a:t>
+            </a:r>
+            <a:r>
+              <a:rPr lang="de-AT" dirty="0" err="1"/>
+              <a:t>localStorage.getItem</a:t>
+            </a:r>
+            <a:r>
+              <a:rPr lang="de-AT" dirty="0"/>
+              <a:t>('</a:t>
+            </a:r>
+            <a:r>
+              <a:rPr lang="de-AT" dirty="0" err="1"/>
+              <a:t>access_token</a:t>
+            </a:r>
+            <a:r>
+              <a:rPr lang="de-AT" dirty="0"/>
+              <a:t>'));</a:t>
+            </a:r>
+          </a:p>
+          <a:p>
+            <a:r>
+              <a:rPr lang="de-AT" dirty="0"/>
+              <a:t>      </a:t>
+            </a:r>
+            <a:r>
+              <a:rPr lang="de-AT" dirty="0" err="1"/>
+              <a:t>options</a:t>
+            </a:r>
+            <a:r>
+              <a:rPr lang="de-AT" dirty="0"/>
+              <a:t> = {</a:t>
+            </a:r>
+            <a:r>
+              <a:rPr lang="de-AT" dirty="0" err="1"/>
+              <a:t>headers</a:t>
+            </a:r>
+            <a:r>
+              <a:rPr lang="de-AT" dirty="0"/>
+              <a:t>: </a:t>
+            </a:r>
+            <a:r>
+              <a:rPr lang="de-AT" dirty="0" err="1"/>
+              <a:t>headers</a:t>
+            </a:r>
+            <a:r>
+              <a:rPr lang="de-AT" dirty="0"/>
+              <a:t>};</a:t>
+            </a:r>
+          </a:p>
+          <a:p>
+            <a:r>
+              <a:rPr lang="de-AT" dirty="0"/>
+              <a:t>    }</a:t>
+            </a:r>
+          </a:p>
+          <a:p>
+            <a:r>
+              <a:rPr lang="de-AT" dirty="0"/>
+              <a:t>    </a:t>
+            </a:r>
+            <a:r>
+              <a:rPr lang="de-AT" dirty="0" err="1"/>
+              <a:t>this.http.get</a:t>
+            </a:r>
+            <a:r>
+              <a:rPr lang="de-AT" dirty="0"/>
+              <a:t>('http://localhost:5001/</a:t>
+            </a:r>
+            <a:r>
+              <a:rPr lang="de-AT" dirty="0" err="1"/>
+              <a:t>api</a:t>
+            </a:r>
+            <a:r>
+              <a:rPr lang="de-AT" dirty="0"/>
+              <a:t>/</a:t>
+            </a:r>
+            <a:r>
+              <a:rPr lang="de-AT" dirty="0" err="1"/>
+              <a:t>values</a:t>
+            </a:r>
+            <a:r>
+              <a:rPr lang="de-AT" dirty="0"/>
+              <a:t>', </a:t>
+            </a:r>
+            <a:r>
+              <a:rPr lang="de-AT" dirty="0" err="1"/>
+              <a:t>options</a:t>
+            </a:r>
+            <a:r>
+              <a:rPr lang="de-AT" dirty="0"/>
+              <a:t>)</a:t>
+            </a:r>
+          </a:p>
+          <a:p>
+            <a:r>
+              <a:rPr lang="de-AT" dirty="0"/>
+              <a:t>        .</a:t>
+            </a:r>
+            <a:r>
+              <a:rPr lang="de-AT" dirty="0" err="1"/>
+              <a:t>subscribe</a:t>
+            </a:r>
+            <a:r>
+              <a:rPr lang="de-AT" dirty="0"/>
+              <a:t>(</a:t>
+            </a:r>
+            <a:r>
+              <a:rPr lang="de-AT" dirty="0" err="1"/>
+              <a:t>res</a:t>
+            </a:r>
+            <a:r>
+              <a:rPr lang="de-AT" dirty="0"/>
+              <a:t> =&gt; </a:t>
+            </a:r>
+            <a:r>
+              <a:rPr lang="de-AT" dirty="0" err="1"/>
+              <a:t>this.values</a:t>
+            </a:r>
+            <a:r>
+              <a:rPr lang="de-AT" dirty="0"/>
+              <a:t> = </a:t>
+            </a:r>
+            <a:r>
+              <a:rPr lang="de-AT" dirty="0" err="1"/>
+              <a:t>res.json</a:t>
+            </a:r>
+            <a:r>
+              <a:rPr lang="de-AT" dirty="0"/>
+              <a:t>(),</a:t>
+            </a:r>
+          </a:p>
+          <a:p>
+            <a:r>
+              <a:rPr lang="de-AT" dirty="0"/>
+              <a:t>                   </a:t>
+            </a:r>
+            <a:r>
+              <a:rPr lang="de-AT" dirty="0" err="1"/>
+              <a:t>err</a:t>
+            </a:r>
+            <a:r>
+              <a:rPr lang="de-AT" dirty="0"/>
+              <a:t> =&gt; </a:t>
+            </a:r>
+            <a:r>
+              <a:rPr lang="de-AT" dirty="0" err="1"/>
+              <a:t>this.values</a:t>
+            </a:r>
+            <a:r>
+              <a:rPr lang="de-AT" dirty="0"/>
+              <a:t> = [</a:t>
+            </a:r>
+            <a:r>
+              <a:rPr lang="de-AT" dirty="0" err="1"/>
+              <a:t>err.statusText</a:t>
+            </a:r>
+            <a:r>
+              <a:rPr lang="de-AT" dirty="0"/>
+              <a:t>]);</a:t>
+            </a:r>
+          </a:p>
+          <a:p>
+            <a:r>
+              <a:rPr lang="de-AT" dirty="0"/>
+              <a:t>  }</a:t>
+            </a:r>
+          </a:p>
+        </p:txBody>
+      </p:sp>
+      <p:sp>
+        <p:nvSpPr>
+          <p:cNvPr id="8" name="Text Placeholder 7"/>
+          <p:cNvSpPr>
+            <a:spLocks noGrp="1"/>
+          </p:cNvSpPr>
+          <p:nvPr>
+            <p:ph type="body" sz="quarter" idx="23"/>
+          </p:nvPr>
+        </p:nvSpPr>
+        <p:spPr/>
+        <p:txBody>
+          <a:bodyPr/>
+          <a:lstStyle/>
+          <a:p>
+            <a:endParaRPr lang="de-AT"/>
+          </a:p>
+        </p:txBody>
+      </p:sp>
+      <p:sp>
+        <p:nvSpPr>
+          <p:cNvPr id="9" name="Text Placeholder 8"/>
+          <p:cNvSpPr>
+            <a:spLocks noGrp="1"/>
+          </p:cNvSpPr>
+          <p:nvPr>
+            <p:ph type="body" sz="quarter" idx="24"/>
+          </p:nvPr>
+        </p:nvSpPr>
+        <p:spPr/>
+        <p:txBody>
+          <a:bodyPr/>
+          <a:lstStyle/>
+          <a:p>
+            <a:endParaRPr lang="de-AT"/>
+          </a:p>
+        </p:txBody>
+      </p:sp>
+      <p:sp>
+        <p:nvSpPr>
+          <p:cNvPr id="10" name="Text Placeholder 9"/>
           <p:cNvSpPr>
             <a:spLocks noGrp="1"/>
           </p:cNvSpPr>
@@ -32774,32 +32825,23 @@
           <a:bodyPr/>
           <a:lstStyle/>
           <a:p>
-            <a:endParaRPr lang="en-US"/>
+            <a:endParaRPr lang="de-AT"/>
           </a:p>
         </p:txBody>
       </p:sp>
     </p:spTree>
     <p:extLst>
       <p:ext uri="{BB962C8B-B14F-4D97-AF65-F5344CB8AC3E}">
-        <p14:creationId xmlns:p14="http://schemas.microsoft.com/office/powerpoint/2010/main" val="1114239648"/>
+        <p14:creationId xmlns:p14="http://schemas.microsoft.com/office/powerpoint/2010/main" val="2074057256"/>
       </p:ext>
     </p:extLst>
   </p:cSld>
   <p:clrMapOvr>
     <a:masterClrMapping/>
   </p:clrMapOvr>
-  <mc:AlternateContent xmlns:mc="http://schemas.openxmlformats.org/markup-compatibility/2006" xmlns:p14="http://schemas.microsoft.com/office/powerpoint/2010/main">
-    <mc:Choice Requires="p14">
-      <p:transition spd="med" p14:dur="700">
-        <p:fade/>
-      </p:transition>
-    </mc:Choice>
-    <mc:Fallback xmlns="">
-      <p:transition spd="med">
-        <p:fade/>
-      </p:transition>
-    </mc:Fallback>
-  </mc:AlternateContent>
+  <p:transition spd="slow">
+    <p:push/>
+  </p:transition>
 </p:sld>
 </file>
 
@@ -32912,6 +32954,89 @@
       </p:grpSpPr>
       <p:sp>
         <p:nvSpPr>
+          <p:cNvPr id="2" name="Titel 1"/>
+          <p:cNvSpPr>
+            <a:spLocks noGrp="1"/>
+          </p:cNvSpPr>
+          <p:nvPr>
+            <p:ph type="title"/>
+          </p:nvPr>
+        </p:nvSpPr>
+        <p:spPr/>
+        <p:txBody>
+          <a:bodyPr/>
+          <a:lstStyle/>
+          <a:p>
+            <a:r>
+              <a:rPr lang="en-US" dirty="0"/>
+              <a:t>Password Flows</a:t>
+            </a:r>
+          </a:p>
+        </p:txBody>
+      </p:sp>
+      <p:sp>
+        <p:nvSpPr>
+          <p:cNvPr id="5" name="Textplatzhalter 4"/>
+          <p:cNvSpPr>
+            <a:spLocks noGrp="1"/>
+          </p:cNvSpPr>
+          <p:nvPr>
+            <p:ph type="body" sz="quarter" idx="25"/>
+          </p:nvPr>
+        </p:nvSpPr>
+        <p:spPr/>
+        <p:txBody>
+          <a:bodyPr/>
+          <a:lstStyle/>
+          <a:p>
+            <a:endParaRPr lang="en-US"/>
+          </a:p>
+        </p:txBody>
+      </p:sp>
+    </p:spTree>
+    <p:extLst>
+      <p:ext uri="{BB962C8B-B14F-4D97-AF65-F5344CB8AC3E}">
+        <p14:creationId xmlns:p14="http://schemas.microsoft.com/office/powerpoint/2010/main" val="1114239648"/>
+      </p:ext>
+    </p:extLst>
+  </p:cSld>
+  <p:clrMapOvr>
+    <a:masterClrMapping/>
+  </p:clrMapOvr>
+  <mc:AlternateContent xmlns:mc="http://schemas.openxmlformats.org/markup-compatibility/2006" xmlns:p14="http://schemas.microsoft.com/office/powerpoint/2010/main">
+    <mc:Choice Requires="p14">
+      <p:transition spd="med" p14:dur="700">
+        <p:fade/>
+      </p:transition>
+    </mc:Choice>
+    <mc:Fallback xmlns="">
+      <p:transition spd="med">
+        <p:fade/>
+      </p:transition>
+    </mc:Fallback>
+  </mc:AlternateContent>
+</p:sld>
+</file>
+
+<file path=ppt/slides/slide41.xml><?xml version="1.0" encoding="utf-8"?>
+<p:sld xmlns:a="http://schemas.openxmlformats.org/drawingml/2006/main" xmlns:r="http://schemas.openxmlformats.org/officeDocument/2006/relationships" xmlns:p="http://schemas.openxmlformats.org/presentationml/2006/main">
+  <p:cSld>
+    <p:spTree>
+      <p:nvGrpSpPr>
+        <p:cNvPr id="1" name=""/>
+        <p:cNvGrpSpPr/>
+        <p:nvPr/>
+      </p:nvGrpSpPr>
+      <p:grpSpPr>
+        <a:xfrm>
+          <a:off x="0" y="0"/>
+          <a:ext cx="0" cy="0"/>
+          <a:chOff x="0" y="0"/>
+          <a:chExt cx="0" cy="0"/>
+        </a:xfrm>
+      </p:grpSpPr>
+      <p:sp>
+        <p:nvSpPr>
           <p:cNvPr id="8" name="Titel 7"/>
           <p:cNvSpPr>
             <a:spLocks noGrp="1"/>
@@ -33050,7 +33175,7 @@
 </p:sld>
 </file>
 
-<file path=ppt/slides/slide41.xml><?xml version="1.0" encoding="utf-8"?>
+<file path=ppt/slides/slide42.xml><?xml version="1.0" encoding="utf-8"?>
 <p:sld xmlns:a="http://schemas.openxmlformats.org/drawingml/2006/main" xmlns:r="http://schemas.openxmlformats.org/officeDocument/2006/relationships" xmlns:p="http://schemas.openxmlformats.org/presentationml/2006/main">
   <p:cSld>
     <p:spTree>
@@ -33199,7 +33324,7 @@
 </p:sld>
 </file>
 
-<file path=ppt/slides/slide42.xml><?xml version="1.0" encoding="utf-8"?>
+<file path=ppt/slides/slide43.xml><?xml version="1.0" encoding="utf-8"?>
 <p:sld xmlns:a="http://schemas.openxmlformats.org/drawingml/2006/main" xmlns:r="http://schemas.openxmlformats.org/officeDocument/2006/relationships" xmlns:p="http://schemas.openxmlformats.org/presentationml/2006/main">
   <p:cSld>
     <p:spTree>
@@ -33400,7 +33525,7 @@
 </p:sld>
 </file>
 
-<file path=ppt/slides/slide43.xml><?xml version="1.0" encoding="utf-8"?>
+<file path=ppt/slides/slide44.xml><?xml version="1.0" encoding="utf-8"?>
 <p:sld xmlns:a="http://schemas.openxmlformats.org/drawingml/2006/main" xmlns:r="http://schemas.openxmlformats.org/officeDocument/2006/relationships" xmlns:p="http://schemas.openxmlformats.org/presentationml/2006/main">
   <p:cSld>
     <p:spTree>
@@ -33487,7 +33612,7 @@
 </p:sld>
 </file>
 
-<file path=ppt/slides/slide44.xml><?xml version="1.0" encoding="utf-8"?>
+<file path=ppt/slides/slide45.xml><?xml version="1.0" encoding="utf-8"?>
 <p:sld xmlns:a="http://schemas.openxmlformats.org/drawingml/2006/main" xmlns:r="http://schemas.openxmlformats.org/officeDocument/2006/relationships" xmlns:p="http://schemas.openxmlformats.org/presentationml/2006/main">
   <p:cSld>
     <p:spTree>
@@ -33753,7 +33878,7 @@
 </p:sld>
 </file>
 
-<file path=ppt/slides/slide45.xml><?xml version="1.0" encoding="utf-8"?>
+<file path=ppt/slides/slide46.xml><?xml version="1.0" encoding="utf-8"?>
 <p:sld xmlns:a="http://schemas.openxmlformats.org/drawingml/2006/main" xmlns:r="http://schemas.openxmlformats.org/officeDocument/2006/relationships" xmlns:p="http://schemas.openxmlformats.org/presentationml/2006/main">
   <p:cSld>
     <p:spTree>
@@ -33906,7 +34031,7 @@
 </p:sld>
 </file>
 
-<file path=ppt/slides/slide46.xml><?xml version="1.0" encoding="utf-8"?>
+<file path=ppt/slides/slide47.xml><?xml version="1.0" encoding="utf-8"?>
 <p:sld xmlns:a="http://schemas.openxmlformats.org/drawingml/2006/main" xmlns:r="http://schemas.openxmlformats.org/officeDocument/2006/relationships" xmlns:p="http://schemas.openxmlformats.org/presentationml/2006/main">
   <p:cSld>
     <p:spTree>
@@ -34059,7 +34184,7 @@
 </p:sld>
 </file>
 
-<file path=ppt/slides/slide47.xml><?xml version="1.0" encoding="utf-8"?>
+<file path=ppt/slides/slide48.xml><?xml version="1.0" encoding="utf-8"?>
 <p:sld xmlns:a="http://schemas.openxmlformats.org/drawingml/2006/main" xmlns:r="http://schemas.openxmlformats.org/officeDocument/2006/relationships" xmlns:p="http://schemas.openxmlformats.org/presentationml/2006/main">
   <p:cSld>
     <p:spTree>
@@ -34212,89 +34337,6 @@
 </p:sld>
 </file>
 
-<file path=ppt/slides/slide48.xml><?xml version="1.0" encoding="utf-8"?>
-<p:sld xmlns:a="http://schemas.openxmlformats.org/drawingml/2006/main" xmlns:r="http://schemas.openxmlformats.org/officeDocument/2006/relationships" xmlns:p="http://schemas.openxmlformats.org/presentationml/2006/main">
-  <p:cSld>
-    <p:spTree>
-      <p:nvGrpSpPr>
-        <p:cNvPr id="1" name=""/>
-        <p:cNvGrpSpPr/>
-        <p:nvPr/>
-      </p:nvGrpSpPr>
-      <p:grpSpPr>
-        <a:xfrm>
-          <a:off x="0" y="0"/>
-          <a:ext cx="0" cy="0"/>
-          <a:chOff x="0" y="0"/>
-          <a:chExt cx="0" cy="0"/>
-        </a:xfrm>
-      </p:grpSpPr>
-      <p:sp>
-        <p:nvSpPr>
-          <p:cNvPr id="7" name="Title 6"/>
-          <p:cNvSpPr>
-            <a:spLocks noGrp="1"/>
-          </p:cNvSpPr>
-          <p:nvPr>
-            <p:ph type="title"/>
-          </p:nvPr>
-        </p:nvSpPr>
-        <p:spPr/>
-        <p:txBody>
-          <a:bodyPr/>
-          <a:lstStyle/>
-          <a:p>
-            <a:r>
-              <a:rPr lang="de-AT" dirty="0"/>
-              <a:t>Summary</a:t>
-            </a:r>
-          </a:p>
-        </p:txBody>
-      </p:sp>
-      <p:sp>
-        <p:nvSpPr>
-          <p:cNvPr id="8" name="Text Placeholder 7"/>
-          <p:cNvSpPr>
-            <a:spLocks noGrp="1"/>
-          </p:cNvSpPr>
-          <p:nvPr>
-            <p:ph type="body" sz="quarter" idx="25"/>
-          </p:nvPr>
-        </p:nvSpPr>
-        <p:spPr/>
-        <p:txBody>
-          <a:bodyPr/>
-          <a:lstStyle/>
-          <a:p>
-            <a:endParaRPr lang="de-AT"/>
-          </a:p>
-        </p:txBody>
-      </p:sp>
-    </p:spTree>
-    <p:extLst>
-      <p:ext uri="{BB962C8B-B14F-4D97-AF65-F5344CB8AC3E}">
-        <p14:creationId xmlns:p14="http://schemas.microsoft.com/office/powerpoint/2010/main" val="1413988234"/>
-      </p:ext>
-    </p:extLst>
-  </p:cSld>
-  <p:clrMapOvr>
-    <a:masterClrMapping/>
-  </p:clrMapOvr>
-  <mc:AlternateContent xmlns:mc="http://schemas.openxmlformats.org/markup-compatibility/2006" xmlns:p14="http://schemas.microsoft.com/office/powerpoint/2010/main">
-    <mc:Choice Requires="p14">
-      <p:transition spd="med" p14:dur="700">
-        <p:fade/>
-      </p:transition>
-    </mc:Choice>
-    <mc:Fallback xmlns="">
-      <p:transition spd="med">
-        <p:fade/>
-      </p:transition>
-    </mc:Fallback>
-  </mc:AlternateContent>
-</p:sld>
-</file>
-
 <file path=ppt/slides/slide49.xml><?xml version="1.0" encoding="utf-8"?>
 <p:sld xmlns:a="http://schemas.openxmlformats.org/drawingml/2006/main" xmlns:r="http://schemas.openxmlformats.org/officeDocument/2006/relationships" xmlns:p="http://schemas.openxmlformats.org/presentationml/2006/main">
   <p:cSld>
@@ -34314,58 +34356,7 @@
       </p:grpSpPr>
       <p:sp>
         <p:nvSpPr>
-          <p:cNvPr id="9" name="Text Placeholder 8"/>
-          <p:cNvSpPr>
-            <a:spLocks noGrp="1"/>
-          </p:cNvSpPr>
-          <p:nvPr>
-            <p:ph type="body" sz="quarter" idx="24"/>
-          </p:nvPr>
-        </p:nvSpPr>
-        <p:spPr>
-          <a:xfrm>
-            <a:off x="1141413" y="339725"/>
-            <a:ext cx="7751762" cy="685800"/>
-          </a:xfrm>
-        </p:spPr>
-        <p:txBody>
-          <a:bodyPr/>
-          <a:lstStyle/>
-          <a:p>
-            <a:r>
-              <a:rPr lang="en-US" dirty="0"/>
-              <a:t>Authentication and Authorization in .NET</a:t>
-            </a:r>
-          </a:p>
-        </p:txBody>
-      </p:sp>
-      <p:pic>
-        <p:nvPicPr>
-          <p:cNvPr id="24" name="Content Placeholder 23"/>
-          <p:cNvPicPr>
-            <a:picLocks noGrp="1" noChangeAspect="1"/>
-          </p:cNvPicPr>
-          <p:nvPr>
-            <p:ph sz="quarter" idx="20"/>
-          </p:nvPr>
-        </p:nvPicPr>
-        <p:blipFill>
-          <a:blip r:embed="rId2" cstate="print">
-            <a:extLst>
-              <a:ext uri="{28A0092B-C50C-407E-A947-70E740481C1C}">
-                <a14:useLocalDpi xmlns:a14="http://schemas.microsoft.com/office/drawing/2010/main" val="0"/>
-              </a:ext>
-            </a:extLst>
-          </a:blip>
-          <a:stretch>
-            <a:fillRect/>
-          </a:stretch>
-        </p:blipFill>
-        <p:spPr/>
-      </p:pic>
-      <p:sp>
-        <p:nvSpPr>
-          <p:cNvPr id="2" name="Title 1"/>
+          <p:cNvPr id="7" name="Title 6"/>
           <p:cNvSpPr>
             <a:spLocks noGrp="1"/>
           </p:cNvSpPr>
@@ -34379,95 +34370,15 @@
           <a:lstStyle/>
           <a:p>
             <a:r>
-              <a:rPr lang="en-US" dirty="0"/>
-              <a:t>Q&amp;A</a:t>
-            </a:r>
-          </a:p>
-        </p:txBody>
-      </p:sp>
-      <p:sp>
-        <p:nvSpPr>
-          <p:cNvPr id="3" name="Text Placeholder 2"/>
-          <p:cNvSpPr>
-            <a:spLocks noGrp="1"/>
-          </p:cNvSpPr>
-          <p:nvPr>
-            <p:ph type="body" sz="quarter" idx="12"/>
-          </p:nvPr>
-        </p:nvSpPr>
-        <p:spPr/>
-        <p:txBody>
-          <a:bodyPr/>
-          <a:lstStyle/>
-          <a:p>
-            <a:r>
-              <a:rPr lang="en-US"/>
-              <a:t>Rainer Stropek</a:t>
-            </a:r>
-          </a:p>
-        </p:txBody>
-      </p:sp>
-      <p:sp>
-        <p:nvSpPr>
-          <p:cNvPr id="4" name="Text Placeholder 3"/>
-          <p:cNvSpPr>
-            <a:spLocks noGrp="1"/>
-          </p:cNvSpPr>
-          <p:nvPr>
-            <p:ph type="body" sz="quarter" idx="13"/>
-          </p:nvPr>
-        </p:nvSpPr>
-        <p:spPr/>
-        <p:txBody>
-          <a:bodyPr/>
-          <a:lstStyle/>
-          <a:p>
-            <a:r>
-              <a:rPr lang="en-US"/>
-              <a:t>software architects gmbh</a:t>
-            </a:r>
-          </a:p>
-        </p:txBody>
-      </p:sp>
-      <p:sp>
-        <p:nvSpPr>
-          <p:cNvPr id="18" name="Text Placeholder 17"/>
-          <p:cNvSpPr>
-            <a:spLocks noGrp="1"/>
-          </p:cNvSpPr>
-          <p:nvPr>
-            <p:ph type="body" sz="quarter" idx="15"/>
-          </p:nvPr>
-        </p:nvSpPr>
-        <p:spPr/>
-        <p:txBody>
-          <a:bodyPr/>
-          <a:lstStyle/>
-          <a:p>
-            <a:r>
-              <a:rPr lang="en-US"/>
-              <a:t>rainer@timecockpit.com</a:t>
-            </a:r>
-            <a:br>
-              <a:rPr lang="en-US"/>
-            </a:br>
-            <a:r>
-              <a:rPr lang="en-US"/>
-              <a:t>http://www.timecockpit.com</a:t>
-            </a:r>
-            <a:br>
-              <a:rPr lang="en-US"/>
-            </a:br>
-            <a:r>
-              <a:rPr lang="en-US"/>
-              <a:t>@rstropek</a:t>
-            </a:r>
-          </a:p>
-        </p:txBody>
-      </p:sp>
-      <p:sp>
-        <p:nvSpPr>
-          <p:cNvPr id="10" name="Text Placeholder 9"/>
+              <a:rPr lang="de-AT" dirty="0"/>
+              <a:t>Summary</a:t>
+            </a:r>
+          </a:p>
+        </p:txBody>
+      </p:sp>
+      <p:sp>
+        <p:nvSpPr>
+          <p:cNvPr id="8" name="Text Placeholder 7"/>
           <p:cNvSpPr>
             <a:spLocks noGrp="1"/>
           </p:cNvSpPr>
@@ -34475,68 +34386,19 @@
             <p:ph type="body" sz="quarter" idx="25"/>
           </p:nvPr>
         </p:nvSpPr>
-        <p:spPr>
-          <a:xfrm>
-            <a:off x="1144588" y="3135313"/>
-            <a:ext cx="3789362" cy="366712"/>
-          </a:xfrm>
-        </p:spPr>
+        <p:spPr/>
         <p:txBody>
           <a:bodyPr/>
           <a:lstStyle/>
           <a:p>
-            <a:r>
-              <a:rPr lang="en-US" dirty="0"/>
-              <a:t>Thank your for coming!</a:t>
-            </a:r>
-          </a:p>
-        </p:txBody>
-      </p:sp>
-      <p:sp>
-        <p:nvSpPr>
-          <p:cNvPr id="22" name="Content Placeholder 21"/>
-          <p:cNvSpPr>
-            <a:spLocks noGrp="1"/>
-          </p:cNvSpPr>
-          <p:nvPr>
-            <p:ph sz="quarter" idx="26"/>
-          </p:nvPr>
-        </p:nvSpPr>
-        <p:spPr>
-          <a:xfrm>
-            <a:off x="5218113" y="2338388"/>
-            <a:ext cx="793750" cy="796925"/>
-          </a:xfrm>
-        </p:spPr>
-        <p:txBody>
-          <a:bodyPr/>
-          <a:lstStyle/>
-          <a:p>
-            <a:r>
-              <a:rPr lang="en-US"/>
-              <a:t>Mail</a:t>
-            </a:r>
-            <a:br>
-              <a:rPr lang="en-US"/>
-            </a:br>
-            <a:r>
-              <a:rPr lang="en-US"/>
-              <a:t>Web</a:t>
-            </a:r>
-            <a:br>
-              <a:rPr lang="en-US"/>
-            </a:br>
-            <a:r>
-              <a:rPr lang="en-US"/>
-              <a:t>Twitter</a:t>
-            </a:r>
+            <a:endParaRPr lang="de-AT"/>
           </a:p>
         </p:txBody>
       </p:sp>
     </p:spTree>
     <p:extLst>
       <p:ext uri="{BB962C8B-B14F-4D97-AF65-F5344CB8AC3E}">
-        <p14:creationId xmlns:p14="http://schemas.microsoft.com/office/powerpoint/2010/main" val="4088726371"/>
+        <p14:creationId xmlns:p14="http://schemas.microsoft.com/office/powerpoint/2010/main" val="1413988234"/>
       </p:ext>
     </p:extLst>
   </p:cSld>
@@ -35834,6 +35696,269 @@
       <p:bldP spid="14" grpId="0" uiExpand="1" build="p"/>
     </p:bldLst>
   </p:timing>
+</p:sld>
+</file>
+
+<file path=ppt/slides/slide50.xml><?xml version="1.0" encoding="utf-8"?>
+<p:sld xmlns:a="http://schemas.openxmlformats.org/drawingml/2006/main" xmlns:r="http://schemas.openxmlformats.org/officeDocument/2006/relationships" xmlns:p="http://schemas.openxmlformats.org/presentationml/2006/main">
+  <p:cSld>
+    <p:spTree>
+      <p:nvGrpSpPr>
+        <p:cNvPr id="1" name=""/>
+        <p:cNvGrpSpPr/>
+        <p:nvPr/>
+      </p:nvGrpSpPr>
+      <p:grpSpPr>
+        <a:xfrm>
+          <a:off x="0" y="0"/>
+          <a:ext cx="0" cy="0"/>
+          <a:chOff x="0" y="0"/>
+          <a:chExt cx="0" cy="0"/>
+        </a:xfrm>
+      </p:grpSpPr>
+      <p:sp>
+        <p:nvSpPr>
+          <p:cNvPr id="9" name="Text Placeholder 8"/>
+          <p:cNvSpPr>
+            <a:spLocks noGrp="1"/>
+          </p:cNvSpPr>
+          <p:nvPr>
+            <p:ph type="body" sz="quarter" idx="24"/>
+          </p:nvPr>
+        </p:nvSpPr>
+        <p:spPr>
+          <a:xfrm>
+            <a:off x="1141413" y="339725"/>
+            <a:ext cx="7751762" cy="685800"/>
+          </a:xfrm>
+        </p:spPr>
+        <p:txBody>
+          <a:bodyPr/>
+          <a:lstStyle/>
+          <a:p>
+            <a:r>
+              <a:rPr lang="en-US" dirty="0"/>
+              <a:t>OpenID Connect Workshop</a:t>
+            </a:r>
+          </a:p>
+        </p:txBody>
+      </p:sp>
+      <p:pic>
+        <p:nvPicPr>
+          <p:cNvPr id="24" name="Content Placeholder 23"/>
+          <p:cNvPicPr>
+            <a:picLocks noGrp="1" noChangeAspect="1"/>
+          </p:cNvPicPr>
+          <p:nvPr>
+            <p:ph sz="quarter" idx="20"/>
+          </p:nvPr>
+        </p:nvPicPr>
+        <p:blipFill>
+          <a:blip r:embed="rId2" cstate="print">
+            <a:extLst>
+              <a:ext uri="{28A0092B-C50C-407E-A947-70E740481C1C}">
+                <a14:useLocalDpi xmlns:a14="http://schemas.microsoft.com/office/drawing/2010/main" val="0"/>
+              </a:ext>
+            </a:extLst>
+          </a:blip>
+          <a:stretch>
+            <a:fillRect/>
+          </a:stretch>
+        </p:blipFill>
+        <p:spPr/>
+      </p:pic>
+      <p:sp>
+        <p:nvSpPr>
+          <p:cNvPr id="2" name="Title 1"/>
+          <p:cNvSpPr>
+            <a:spLocks noGrp="1"/>
+          </p:cNvSpPr>
+          <p:nvPr>
+            <p:ph type="title"/>
+          </p:nvPr>
+        </p:nvSpPr>
+        <p:spPr/>
+        <p:txBody>
+          <a:bodyPr/>
+          <a:lstStyle/>
+          <a:p>
+            <a:r>
+              <a:rPr lang="en-US" dirty="0"/>
+              <a:t>Q&amp;A</a:t>
+            </a:r>
+          </a:p>
+        </p:txBody>
+      </p:sp>
+      <p:sp>
+        <p:nvSpPr>
+          <p:cNvPr id="3" name="Text Placeholder 2"/>
+          <p:cNvSpPr>
+            <a:spLocks noGrp="1"/>
+          </p:cNvSpPr>
+          <p:nvPr>
+            <p:ph type="body" sz="quarter" idx="12"/>
+          </p:nvPr>
+        </p:nvSpPr>
+        <p:spPr/>
+        <p:txBody>
+          <a:bodyPr/>
+          <a:lstStyle/>
+          <a:p>
+            <a:r>
+              <a:rPr lang="en-US"/>
+              <a:t>Rainer Stropek</a:t>
+            </a:r>
+          </a:p>
+        </p:txBody>
+      </p:sp>
+      <p:sp>
+        <p:nvSpPr>
+          <p:cNvPr id="4" name="Text Placeholder 3"/>
+          <p:cNvSpPr>
+            <a:spLocks noGrp="1"/>
+          </p:cNvSpPr>
+          <p:nvPr>
+            <p:ph type="body" sz="quarter" idx="13"/>
+          </p:nvPr>
+        </p:nvSpPr>
+        <p:spPr/>
+        <p:txBody>
+          <a:bodyPr/>
+          <a:lstStyle/>
+          <a:p>
+            <a:r>
+              <a:rPr lang="en-US"/>
+              <a:t>software architects gmbh</a:t>
+            </a:r>
+          </a:p>
+        </p:txBody>
+      </p:sp>
+      <p:sp>
+        <p:nvSpPr>
+          <p:cNvPr id="18" name="Text Placeholder 17"/>
+          <p:cNvSpPr>
+            <a:spLocks noGrp="1"/>
+          </p:cNvSpPr>
+          <p:nvPr>
+            <p:ph type="body" sz="quarter" idx="15"/>
+          </p:nvPr>
+        </p:nvSpPr>
+        <p:spPr/>
+        <p:txBody>
+          <a:bodyPr/>
+          <a:lstStyle/>
+          <a:p>
+            <a:r>
+              <a:rPr lang="en-US"/>
+              <a:t>rainer@timecockpit.com</a:t>
+            </a:r>
+            <a:br>
+              <a:rPr lang="en-US"/>
+            </a:br>
+            <a:r>
+              <a:rPr lang="en-US"/>
+              <a:t>http://www.timecockpit.com</a:t>
+            </a:r>
+            <a:br>
+              <a:rPr lang="en-US"/>
+            </a:br>
+            <a:r>
+              <a:rPr lang="en-US"/>
+              <a:t>@rstropek</a:t>
+            </a:r>
+          </a:p>
+        </p:txBody>
+      </p:sp>
+      <p:sp>
+        <p:nvSpPr>
+          <p:cNvPr id="10" name="Text Placeholder 9"/>
+          <p:cNvSpPr>
+            <a:spLocks noGrp="1"/>
+          </p:cNvSpPr>
+          <p:nvPr>
+            <p:ph type="body" sz="quarter" idx="25"/>
+          </p:nvPr>
+        </p:nvSpPr>
+        <p:spPr>
+          <a:xfrm>
+            <a:off x="1144588" y="3135313"/>
+            <a:ext cx="3789362" cy="366712"/>
+          </a:xfrm>
+        </p:spPr>
+        <p:txBody>
+          <a:bodyPr/>
+          <a:lstStyle/>
+          <a:p>
+            <a:r>
+              <a:rPr lang="en-US" dirty="0"/>
+              <a:t>Thank your for coming!</a:t>
+            </a:r>
+          </a:p>
+        </p:txBody>
+      </p:sp>
+      <p:sp>
+        <p:nvSpPr>
+          <p:cNvPr id="22" name="Content Placeholder 21"/>
+          <p:cNvSpPr>
+            <a:spLocks noGrp="1"/>
+          </p:cNvSpPr>
+          <p:nvPr>
+            <p:ph sz="quarter" idx="26"/>
+          </p:nvPr>
+        </p:nvSpPr>
+        <p:spPr>
+          <a:xfrm>
+            <a:off x="5218113" y="2338388"/>
+            <a:ext cx="793750" cy="796925"/>
+          </a:xfrm>
+        </p:spPr>
+        <p:txBody>
+          <a:bodyPr/>
+          <a:lstStyle/>
+          <a:p>
+            <a:r>
+              <a:rPr lang="en-US"/>
+              <a:t>Mail</a:t>
+            </a:r>
+            <a:br>
+              <a:rPr lang="en-US"/>
+            </a:br>
+            <a:r>
+              <a:rPr lang="en-US"/>
+              <a:t>Web</a:t>
+            </a:r>
+            <a:br>
+              <a:rPr lang="en-US"/>
+            </a:br>
+            <a:r>
+              <a:rPr lang="en-US"/>
+              <a:t>Twitter</a:t>
+            </a:r>
+          </a:p>
+        </p:txBody>
+      </p:sp>
+    </p:spTree>
+    <p:extLst>
+      <p:ext uri="{BB962C8B-B14F-4D97-AF65-F5344CB8AC3E}">
+        <p14:creationId xmlns:p14="http://schemas.microsoft.com/office/powerpoint/2010/main" val="4088726371"/>
+      </p:ext>
+    </p:extLst>
+  </p:cSld>
+  <p:clrMapOvr>
+    <a:masterClrMapping/>
+  </p:clrMapOvr>
+  <mc:AlternateContent xmlns:mc="http://schemas.openxmlformats.org/markup-compatibility/2006" xmlns:p14="http://schemas.microsoft.com/office/powerpoint/2010/main">
+    <mc:Choice Requires="p14">
+      <p:transition spd="med" p14:dur="700">
+        <p:fade/>
+      </p:transition>
+    </mc:Choice>
+    <mc:Fallback xmlns="">
+      <p:transition spd="med">
+        <p:fade/>
+      </p:transition>
+    </mc:Fallback>
+  </mc:AlternateContent>
 </p:sld>
 </file>
 

--- a/OIDCWorkshop/Slides/OIDCWorkshop.pptx
+++ b/OIDCWorkshop/Slides/OIDCWorkshop.pptx
@@ -280,7 +280,7 @@
           <a:p>
             <a:fld id="{D3FDC4BA-F62C-46A2-87C1-2103180CFF88}" type="datetimeFigureOut">
               <a:rPr lang="de-AT" smtClean="0"/>
-              <a:t>21.06.2017</a:t>
+              <a:t>29.06.2017</a:t>
             </a:fld>
             <a:endParaRPr lang="de-AT"/>
           </a:p>
@@ -446,7 +446,7 @@
             <a:fld id="{3612A09C-9A01-4873-9E29-1DA9CA5B5B01}" type="datetimeFigureOut">
               <a:rPr lang="de-DE" smtClean="0"/>
               <a:pPr/>
-              <a:t>21.06.2017</a:t>
+              <a:t>29.06.2017</a:t>
             </a:fld>
             <a:endParaRPr lang="de-AT"/>
           </a:p>
@@ -903,7 +903,7 @@
                 </a:solidFill>
               </a:rPr>
               <a:pPr/>
-              <a:t>6/21/2017</a:t>
+              <a:t>6/29/2017</a:t>
             </a:fld>
             <a:endParaRPr lang="en-US" dirty="0">
               <a:solidFill>
@@ -1105,7 +1105,7 @@
                 </a:solidFill>
               </a:rPr>
               <a:pPr/>
-              <a:t>6/21/2017 4:44 PM</a:t>
+              <a:t>6/29/2017 9:21 AM</a:t>
             </a:fld>
             <a:endParaRPr lang="en-US" dirty="0">
               <a:solidFill>
@@ -21633,7 +21633,7 @@
           <a:p>
             <a:r>
               <a:rPr lang="en-US" dirty="0"/>
-              <a:t>OpenID Connect Workshop</a:t>
+              <a:t>OAuth2/OpenID Connect Workshop</a:t>
             </a:r>
           </a:p>
         </p:txBody>
@@ -35738,7 +35738,7 @@
           <a:p>
             <a:r>
               <a:rPr lang="en-US" dirty="0"/>
-              <a:t>OpenID Connect Workshop</a:t>
+              <a:t>OAuth2/OpenID Connect Workshop</a:t>
             </a:r>
           </a:p>
         </p:txBody>
@@ -37990,6 +37990,15 @@
 </file>
 
 <file path=customXml/item2.xml><?xml version="1.0" encoding="utf-8"?>
+<?mso-contentType ?>
+<FormTemplates xmlns="http://schemas.microsoft.com/sharepoint/v3/contenttype/forms">
+  <Display>DocumentLibraryForm</Display>
+  <Edit>DocumentLibraryForm</Edit>
+  <New>DocumentLibraryForm</New>
+</FormTemplates>
+</file>
+
+<file path=customXml/item3.xml><?xml version="1.0" encoding="utf-8"?>
 <ct:contentTypeSchema xmlns:ct="http://schemas.microsoft.com/office/2006/metadata/contentType" xmlns:ma="http://schemas.microsoft.com/office/2006/metadata/properties/metaAttributes" ct:_="" ma:_="" ma:contentTypeName="Document" ma:contentTypeID="0x0101006C90029AD581154692170791F90B0BA6" ma:contentTypeVersion="0" ma:contentTypeDescription="Create a new document." ma:contentTypeScope="" ma:versionID="453f2a28f59e13bb333d4563bd7e6ec5">
   <xsd:schema xmlns:xsd="http://www.w3.org/2001/XMLSchema" xmlns:p="http://schemas.microsoft.com/office/2006/metadata/properties" targetNamespace="http://schemas.microsoft.com/office/2006/metadata/properties" ma:root="true" ma:fieldsID="4aeb20c0e3442673af7ee10786458764">
     <xsd:element name="properties">
@@ -38038,15 +38047,6 @@
 </ct:contentTypeSchema>
 </file>
 
-<file path=customXml/item3.xml><?xml version="1.0" encoding="utf-8"?>
-<?mso-contentType ?>
-<FormTemplates xmlns="http://schemas.microsoft.com/sharepoint/v3/contenttype/forms">
-  <Display>DocumentLibraryForm</Display>
-  <Edit>DocumentLibraryForm</Edit>
-  <New>DocumentLibraryForm</New>
-</FormTemplates>
-</file>
-
 <file path=customXml/itemProps1.xml><?xml version="1.0" encoding="utf-8"?>
 <ds:datastoreItem xmlns:ds="http://schemas.openxmlformats.org/officeDocument/2006/customXml" ds:itemID="{03D43D4A-F5F8-47F6-A4EC-521F433C91BF}">
   <ds:schemaRefs>
@@ -38062,6 +38062,14 @@
 </file>
 
 <file path=customXml/itemProps2.xml><?xml version="1.0" encoding="utf-8"?>
+<ds:datastoreItem xmlns:ds="http://schemas.openxmlformats.org/officeDocument/2006/customXml" ds:itemID="{B978F6DD-25A2-48DB-A93B-386E9DA01ECA}">
+  <ds:schemaRefs>
+    <ds:schemaRef ds:uri="http://schemas.microsoft.com/sharepoint/v3/contenttype/forms"/>
+  </ds:schemaRefs>
+</ds:datastoreItem>
+</file>
+
+<file path=customXml/itemProps3.xml><?xml version="1.0" encoding="utf-8"?>
 <ds:datastoreItem xmlns:ds="http://schemas.openxmlformats.org/officeDocument/2006/customXml" ds:itemID="{14A11C81-3A20-458B-AC33-D8C9DB9BBB4A}">
   <ds:schemaRefs>
     <ds:schemaRef ds:uri="http://schemas.microsoft.com/office/2006/metadata/contentType"/>
@@ -38074,12 +38082,4 @@
     <ds:schemaRef ds:uri="http://schemas.microsoft.com/office/internal/2005/internalDocumentation"/>
   </ds:schemaRefs>
 </ds:datastoreItem>
-</file>
-
-<file path=customXml/itemProps3.xml><?xml version="1.0" encoding="utf-8"?>
-<ds:datastoreItem xmlns:ds="http://schemas.openxmlformats.org/officeDocument/2006/customXml" ds:itemID="{B978F6DD-25A2-48DB-A93B-386E9DA01ECA}">
-  <ds:schemaRefs>
-    <ds:schemaRef ds:uri="http://schemas.microsoft.com/sharepoint/v3/contenttype/forms"/>
-  </ds:schemaRefs>
-</ds:datastoreItem>
 </file>